--- a/DDSAnalytics Presentation.pptx
+++ b/DDSAnalytics Presentation.pptx
@@ -641,8 +641,42 @@
           <a:lstStyle/>
           <a:p>
             <a:r>
-              <a:rPr lang="es-ES" dirty="0"/>
-              <a:t>Los minoristas sufren enormes situaciones de falta de existencias, a veces con consecuencias dramáticas e indeseables. Un estudio realizado por Roland Berger ha demostrado que el 60% de todas las situaciones de falta de existencias conlleva pérdidas de ventas masivas porque los clientes están decepcionados y cambian a otro minorista. Entonces, ¿qué podría ser más natural para los minoristas que utilizar el método más fácil para evitar situaciones de falta de existencias, que es simplemente mantener un poco más, o incluso mucho más, las reservas de reserva de las que necesitan en la cadena de suministro para fines? de seguridad? Tener más bienes en la cadena de suministro significa respuestas más rápidas a las necesidades actuales, no situaciones de falta de existencias y, por lo tanto, clientes satisfechos, o eso es lo que los minoristas a menudo discuten. Puede ser simple, pero también es muy costoso, lo que significa que no es una buena solución en absoluto</a:t>
+              <a:rPr lang="en-US" dirty="0"/>
+              <a:t>Hello, welcome to my presentation. Today I want to talk about an attrition investigation </a:t>
+            </a:r>
+          </a:p>
+          <a:p>
+            <a:r>
+              <a:rPr lang="en-US" dirty="0"/>
+              <a:t>About employee attrition in the </a:t>
+            </a:r>
+            <a:r>
+              <a:rPr lang="en-US" dirty="0" err="1"/>
+              <a:t>Frito-lay</a:t>
+            </a:r>
+            <a:r>
+              <a:rPr lang="en-US" dirty="0"/>
+              <a:t> organization. In this analysis we will </a:t>
+            </a:r>
+            <a:r>
+              <a:rPr lang="en-US" sz="1800" dirty="0">
+                <a:effectLst/>
+                <a:latin typeface="Calibri" panose="020F0502020204030204" pitchFamily="34" charset="0"/>
+                <a:ea typeface="Calibri" panose="020F0502020204030204" pitchFamily="34" charset="0"/>
+                <a:cs typeface="Times New Roman" panose="02020603050405020304" pitchFamily="18" charset="0"/>
+              </a:rPr>
+              <a:t>be looking at the </a:t>
+            </a:r>
+          </a:p>
+          <a:p>
+            <a:r>
+              <a:rPr lang="en-US" sz="1800" dirty="0">
+                <a:effectLst/>
+                <a:latin typeface="Calibri" panose="020F0502020204030204" pitchFamily="34" charset="0"/>
+                <a:ea typeface="Calibri" panose="020F0502020204030204" pitchFamily="34" charset="0"/>
+                <a:cs typeface="Times New Roman" panose="02020603050405020304" pitchFamily="18" charset="0"/>
+              </a:rPr>
+              <a:t>parameters are correlated to attrition</a:t>
             </a:r>
             <a:endParaRPr lang="en-US" dirty="0"/>
           </a:p>
@@ -655,7 +689,7 @@
             <a:spLocks noGrp="1"/>
           </p:cNvSpPr>
           <p:nvPr>
-            <p:ph type="sldNum" sz="quarter" idx="10"/>
+            <p:ph type="sldNum" sz="quarter" idx="5"/>
           </p:nvPr>
         </p:nvSpPr>
         <p:spPr/>
@@ -664,18 +698,18 @@
           <a:lstStyle/>
           <a:p>
             <a:fld id="{7D8C2C35-2B8A-446E-BEC0-FD36716C29AC}" type="slidenum">
-              <a:rPr lang="en-US" smtClean="0"/>
+              <a:rPr lang="de-DE" smtClean="0"/>
               <a:pPr/>
-              <a:t>2</a:t>
+              <a:t>1</a:t>
             </a:fld>
-            <a:endParaRPr lang="en-US" dirty="0"/>
+            <a:endParaRPr lang="de-DE" dirty="0"/>
           </a:p>
         </p:txBody>
       </p:sp>
     </p:spTree>
     <p:extLst>
       <p:ext uri="{BB962C8B-B14F-4D97-AF65-F5344CB8AC3E}">
-        <p14:creationId xmlns:p14="http://schemas.microsoft.com/office/powerpoint/2010/main" val="2802123602"/>
+        <p14:creationId xmlns:p14="http://schemas.microsoft.com/office/powerpoint/2010/main" val="1155151499"/>
       </p:ext>
     </p:extLst>
   </p:cSld>
@@ -729,10 +763,6 @@
           <a:bodyPr/>
           <a:lstStyle/>
           <a:p>
-            <a:r>
-              <a:rPr lang="es-ES" dirty="0"/>
-              <a:t>Los minoristas sufren enormes situaciones de falta de existencias, a veces con consecuencias dramáticas e indeseables. Un estudio realizado por Roland Berger ha demostrado que el 60% de todas las situaciones de falta de existencias conlleva pérdidas de ventas masivas porque los clientes están decepcionados y cambian a otro minorista. Entonces, ¿qué podría ser más natural para los minoristas que utilizar el método más fácil para evitar situaciones de falta de existencias, que es simplemente mantener un poco más, o incluso mucho más, las reservas de reserva de las que necesitan en la cadena de suministro para fines? de seguridad? Tener más bienes en la cadena de suministro significa respuestas más rápidas a las necesidades actuales, no situaciones de falta de existencias y, por lo tanto, clientes satisfechos, o eso es lo que los minoristas a menudo discuten. Puede ser simple, pero también es muy costoso, lo que significa que no es una buena solución en absoluto</a:t>
-            </a:r>
             <a:endParaRPr lang="en-US" dirty="0"/>
           </a:p>
         </p:txBody>
@@ -755,6 +785,95 @@
             <a:fld id="{7D8C2C35-2B8A-446E-BEC0-FD36716C29AC}" type="slidenum">
               <a:rPr lang="en-US" smtClean="0"/>
               <a:pPr/>
+              <a:t>2</a:t>
+            </a:fld>
+            <a:endParaRPr lang="en-US" dirty="0"/>
+          </a:p>
+        </p:txBody>
+      </p:sp>
+    </p:spTree>
+    <p:extLst>
+      <p:ext uri="{BB962C8B-B14F-4D97-AF65-F5344CB8AC3E}">
+        <p14:creationId xmlns:p14="http://schemas.microsoft.com/office/powerpoint/2010/main" val="2802123602"/>
+      </p:ext>
+    </p:extLst>
+  </p:cSld>
+  <p:clrMapOvr>
+    <a:masterClrMapping/>
+  </p:clrMapOvr>
+</p:notes>
+</file>
+
+<file path=ppt/notesSlides/notesSlide3.xml><?xml version="1.0" encoding="utf-8"?>
+<p:notes xmlns:a="http://schemas.openxmlformats.org/drawingml/2006/main" xmlns:r="http://schemas.openxmlformats.org/officeDocument/2006/relationships" xmlns:p="http://schemas.openxmlformats.org/presentationml/2006/main">
+  <p:cSld>
+    <p:spTree>
+      <p:nvGrpSpPr>
+        <p:cNvPr id="1" name=""/>
+        <p:cNvGrpSpPr/>
+        <p:nvPr/>
+      </p:nvGrpSpPr>
+      <p:grpSpPr>
+        <a:xfrm>
+          <a:off x="0" y="0"/>
+          <a:ext cx="0" cy="0"/>
+          <a:chOff x="0" y="0"/>
+          <a:chExt cx="0" cy="0"/>
+        </a:xfrm>
+      </p:grpSpPr>
+      <p:sp>
+        <p:nvSpPr>
+          <p:cNvPr id="2" name="Slide Image Placeholder 1"/>
+          <p:cNvSpPr>
+            <a:spLocks noGrp="1" noRot="1" noChangeAspect="1"/>
+          </p:cNvSpPr>
+          <p:nvPr>
+            <p:ph type="sldImg"/>
+          </p:nvPr>
+        </p:nvSpPr>
+        <p:spPr/>
+      </p:sp>
+      <p:sp>
+        <p:nvSpPr>
+          <p:cNvPr id="3" name="Notes Placeholder 2"/>
+          <p:cNvSpPr>
+            <a:spLocks noGrp="1"/>
+          </p:cNvSpPr>
+          <p:nvPr>
+            <p:ph type="body" idx="1"/>
+          </p:nvPr>
+        </p:nvSpPr>
+        <p:spPr/>
+        <p:txBody>
+          <a:bodyPr/>
+          <a:lstStyle/>
+          <a:p>
+            <a:r>
+              <a:rPr lang="es-ES" dirty="0"/>
+              <a:t>Los minoristas sufren enormes situaciones de falta de existencias, a veces con consecuencias dramáticas e indeseables. Un estudio realizado por Roland Berger ha demostrado que el 60% de todas las situaciones de falta de existencias conlleva pérdidas de ventas masivas porque los clientes están decepcionados y cambian a otro minorista. Entonces, ¿qué podría ser más natural para los minoristas que utilizar el método más fácil para evitar situaciones de falta de existencias, que es simplemente mantener un poco más, o incluso mucho más, las reservas de reserva de las que necesitan en la cadena de suministro para fines? de seguridad? Tener más bienes en la cadena de suministro significa respuestas más rápidas a las necesidades actuales, no situaciones de falta de existencias y, por lo tanto, clientes satisfechos, o eso es lo que los minoristas a menudo discuten. Puede ser simple, pero también es muy costoso, lo que significa que no es una buena solución en absoluto</a:t>
+            </a:r>
+            <a:endParaRPr lang="en-US" dirty="0"/>
+          </a:p>
+        </p:txBody>
+      </p:sp>
+      <p:sp>
+        <p:nvSpPr>
+          <p:cNvPr id="4" name="Slide Number Placeholder 3"/>
+          <p:cNvSpPr>
+            <a:spLocks noGrp="1"/>
+          </p:cNvSpPr>
+          <p:nvPr>
+            <p:ph type="sldNum" sz="quarter" idx="10"/>
+          </p:nvPr>
+        </p:nvSpPr>
+        <p:spPr/>
+        <p:txBody>
+          <a:bodyPr/>
+          <a:lstStyle/>
+          <a:p>
+            <a:fld id="{7D8C2C35-2B8A-446E-BEC0-FD36716C29AC}" type="slidenum">
+              <a:rPr lang="en-US" smtClean="0"/>
+              <a:pPr/>
               <a:t>4</a:t>
             </a:fld>
             <a:endParaRPr lang="en-US" dirty="0"/>
@@ -774,7 +893,7 @@
 </p:notes>
 </file>
 
-<file path=ppt/notesSlides/notesSlide3.xml><?xml version="1.0" encoding="utf-8"?>
+<file path=ppt/notesSlides/notesSlide4.xml><?xml version="1.0" encoding="utf-8"?>
 <p:notes xmlns:a="http://schemas.openxmlformats.org/drawingml/2006/main" xmlns:r="http://schemas.openxmlformats.org/officeDocument/2006/relationships" xmlns:p="http://schemas.openxmlformats.org/presentationml/2006/main">
   <p:cSld>
     <p:spTree>
@@ -3951,7 +4070,7 @@
           <p:nvPr/>
         </p:nvPicPr>
         <p:blipFill>
-          <a:blip r:embed="rId2"/>
+          <a:blip r:embed="rId3"/>
           <a:srcRect/>
           <a:stretch/>
         </p:blipFill>
@@ -4039,7 +4158,7 @@
         <p:spPr>
           <a:xfrm>
             <a:off x="628692" y="1709529"/>
-            <a:ext cx="7597387" cy="923330"/>
+            <a:ext cx="8023989" cy="923330"/>
           </a:xfrm>
         </p:spPr>
         <p:txBody>
@@ -4051,7 +4170,7 @@
                 <a:latin typeface="Trebuchet MS" panose="020B0603020202020204" pitchFamily="34" charset="0"/>
                 <a:cs typeface="72 Black" panose="020B0A04030603020204" pitchFamily="34" charset="0"/>
               </a:rPr>
-              <a:t>Talent management data analysis and attrition investigation</a:t>
+              <a:t>Data analysis and attrition investigation for Frito-Lay company</a:t>
             </a:r>
             <a:r>
               <a:rPr lang="en-US" sz="4800" dirty="0">
@@ -4145,7 +4264,7 @@
           <p:nvPr/>
         </p:nvPicPr>
         <p:blipFill>
-          <a:blip r:embed="rId3"/>
+          <a:blip r:embed="rId4"/>
           <a:stretch>
             <a:fillRect/>
           </a:stretch>
@@ -20293,6 +20412,16 @@
             <a:r>
               <a:rPr lang="en-US" b="1" dirty="0"/>
               <a:t>Shiny App</a:t>
+            </a:r>
+          </a:p>
+          <a:p>
+            <a:pPr marL="465750" lvl="1" indent="-285750">
+              <a:buFont typeface="Arial" panose="020B0604020202020204" pitchFamily="34" charset="0"/>
+              <a:buChar char="•"/>
+            </a:pPr>
+            <a:r>
+              <a:rPr lang="en-US" dirty="0"/>
+              <a:t>https://estevez.shinyapps.io/EmployeeAttritionDDS/</a:t>
             </a:r>
           </a:p>
           <a:p>

--- a/DDSAnalytics Presentation.pptx
+++ b/DDSAnalytics Presentation.pptx
@@ -640,44 +640,6 @@
           <a:bodyPr/>
           <a:lstStyle/>
           <a:p>
-            <a:r>
-              <a:rPr lang="en-US" dirty="0"/>
-              <a:t>Hello, welcome to my presentation. Today I want to talk about an attrition investigation </a:t>
-            </a:r>
-          </a:p>
-          <a:p>
-            <a:r>
-              <a:rPr lang="en-US" dirty="0"/>
-              <a:t>About employee attrition in the </a:t>
-            </a:r>
-            <a:r>
-              <a:rPr lang="en-US" dirty="0" err="1"/>
-              <a:t>Frito-lay</a:t>
-            </a:r>
-            <a:r>
-              <a:rPr lang="en-US" dirty="0"/>
-              <a:t> organization. In this analysis we will </a:t>
-            </a:r>
-            <a:r>
-              <a:rPr lang="en-US" sz="1800" dirty="0">
-                <a:effectLst/>
-                <a:latin typeface="Calibri" panose="020F0502020204030204" pitchFamily="34" charset="0"/>
-                <a:ea typeface="Calibri" panose="020F0502020204030204" pitchFamily="34" charset="0"/>
-                <a:cs typeface="Times New Roman" panose="02020603050405020304" pitchFamily="18" charset="0"/>
-              </a:rPr>
-              <a:t>be looking at the </a:t>
-            </a:r>
-          </a:p>
-          <a:p>
-            <a:r>
-              <a:rPr lang="en-US" sz="1800" dirty="0">
-                <a:effectLst/>
-                <a:latin typeface="Calibri" panose="020F0502020204030204" pitchFamily="34" charset="0"/>
-                <a:ea typeface="Calibri" panose="020F0502020204030204" pitchFamily="34" charset="0"/>
-                <a:cs typeface="Times New Roman" panose="02020603050405020304" pitchFamily="18" charset="0"/>
-              </a:rPr>
-              <a:t>parameters are correlated to attrition</a:t>
-            </a:r>
             <a:endParaRPr lang="en-US" dirty="0"/>
           </a:p>
         </p:txBody>
@@ -848,10 +810,6 @@
           <a:bodyPr/>
           <a:lstStyle/>
           <a:p>
-            <a:r>
-              <a:rPr lang="es-ES" dirty="0"/>
-              <a:t>Los minoristas sufren enormes situaciones de falta de existencias, a veces con consecuencias dramáticas e indeseables. Un estudio realizado por Roland Berger ha demostrado que el 60% de todas las situaciones de falta de existencias conlleva pérdidas de ventas masivas porque los clientes están decepcionados y cambian a otro minorista. Entonces, ¿qué podría ser más natural para los minoristas que utilizar el método más fácil para evitar situaciones de falta de existencias, que es simplemente mantener un poco más, o incluso mucho más, las reservas de reserva de las que necesitan en la cadena de suministro para fines? de seguridad? Tener más bienes en la cadena de suministro significa respuestas más rápidas a las necesidades actuales, no situaciones de falta de existencias y, por lo tanto, clientes satisfechos, o eso es lo que los minoristas a menudo discuten. Puede ser simple, pero también es muy costoso, lo que significa que no es una buena solución en absoluto</a:t>
-            </a:r>
             <a:endParaRPr lang="en-US" dirty="0"/>
           </a:p>
         </p:txBody>
@@ -937,10 +895,6 @@
           <a:bodyPr/>
           <a:lstStyle/>
           <a:p>
-            <a:r>
-              <a:rPr lang="es-ES" dirty="0"/>
-              <a:t>Los minoristas sufren enormes situaciones de falta de existencias, a veces con consecuencias dramáticas e indeseables. Un estudio realizado por Roland Berger ha demostrado que el 60% de todas las situaciones de falta de existencias conlleva pérdidas de ventas masivas porque los clientes están decepcionados y cambian a otro minorista. Entonces, ¿qué podría ser más natural para los minoristas que utilizar el método más fácil para evitar situaciones de falta de existencias, que es simplemente mantener un poco más, o incluso mucho más, las reservas de reserva de las que necesitan en la cadena de suministro para fines? de seguridad? Tener más bienes en la cadena de suministro significa respuestas más rápidas a las necesidades actuales, no situaciones de falta de existencias y, por lo tanto, clientes satisfechos, o eso es lo que los minoristas a menudo discuten. Puede ser simple, pero también es muy costoso, lo que significa que no es una buena solución en absoluto</a:t>
-            </a:r>
             <a:endParaRPr lang="en-US" dirty="0"/>
           </a:p>
         </p:txBody>
@@ -973,6 +927,91 @@
     <p:extLst>
       <p:ext uri="{BB962C8B-B14F-4D97-AF65-F5344CB8AC3E}">
         <p14:creationId xmlns:p14="http://schemas.microsoft.com/office/powerpoint/2010/main" val="3313459445"/>
+      </p:ext>
+    </p:extLst>
+  </p:cSld>
+  <p:clrMapOvr>
+    <a:masterClrMapping/>
+  </p:clrMapOvr>
+</p:notes>
+</file>
+
+<file path=ppt/notesSlides/notesSlide5.xml><?xml version="1.0" encoding="utf-8"?>
+<p:notes xmlns:a="http://schemas.openxmlformats.org/drawingml/2006/main" xmlns:r="http://schemas.openxmlformats.org/officeDocument/2006/relationships" xmlns:p="http://schemas.openxmlformats.org/presentationml/2006/main">
+  <p:cSld>
+    <p:spTree>
+      <p:nvGrpSpPr>
+        <p:cNvPr id="1" name=""/>
+        <p:cNvGrpSpPr/>
+        <p:nvPr/>
+      </p:nvGrpSpPr>
+      <p:grpSpPr>
+        <a:xfrm>
+          <a:off x="0" y="0"/>
+          <a:ext cx="0" cy="0"/>
+          <a:chOff x="0" y="0"/>
+          <a:chExt cx="0" cy="0"/>
+        </a:xfrm>
+      </p:grpSpPr>
+      <p:sp>
+        <p:nvSpPr>
+          <p:cNvPr id="2" name="Slide Image Placeholder 1"/>
+          <p:cNvSpPr>
+            <a:spLocks noGrp="1" noRot="1" noChangeAspect="1"/>
+          </p:cNvSpPr>
+          <p:nvPr>
+            <p:ph type="sldImg"/>
+          </p:nvPr>
+        </p:nvSpPr>
+        <p:spPr/>
+      </p:sp>
+      <p:sp>
+        <p:nvSpPr>
+          <p:cNvPr id="3" name="Notes Placeholder 2"/>
+          <p:cNvSpPr>
+            <a:spLocks noGrp="1"/>
+          </p:cNvSpPr>
+          <p:nvPr>
+            <p:ph type="body" idx="1"/>
+          </p:nvPr>
+        </p:nvSpPr>
+        <p:spPr/>
+        <p:txBody>
+          <a:bodyPr/>
+          <a:lstStyle/>
+          <a:p>
+            <a:endParaRPr lang="en-US" dirty="0"/>
+          </a:p>
+        </p:txBody>
+      </p:sp>
+      <p:sp>
+        <p:nvSpPr>
+          <p:cNvPr id="4" name="Slide Number Placeholder 3"/>
+          <p:cNvSpPr>
+            <a:spLocks noGrp="1"/>
+          </p:cNvSpPr>
+          <p:nvPr>
+            <p:ph type="sldNum" sz="quarter" idx="5"/>
+          </p:nvPr>
+        </p:nvSpPr>
+        <p:spPr/>
+        <p:txBody>
+          <a:bodyPr/>
+          <a:lstStyle/>
+          <a:p>
+            <a:fld id="{7D8C2C35-2B8A-446E-BEC0-FD36716C29AC}" type="slidenum">
+              <a:rPr lang="de-DE" smtClean="0"/>
+              <a:pPr/>
+              <a:t>9</a:t>
+            </a:fld>
+            <a:endParaRPr lang="de-DE" dirty="0"/>
+          </a:p>
+        </p:txBody>
+      </p:sp>
+    </p:spTree>
+    <p:extLst>
+      <p:ext uri="{BB962C8B-B14F-4D97-AF65-F5344CB8AC3E}">
+        <p14:creationId xmlns:p14="http://schemas.microsoft.com/office/powerpoint/2010/main" val="1549616936"/>
       </p:ext>
     </p:extLst>
   </p:cSld>
@@ -6435,6 +6474,16 @@
               <a:buChar char="•"/>
             </a:pPr>
             <a:r>
+              <a:rPr lang="en-US" sz="1600" dirty="0"/>
+              <a:t>K = 3</a:t>
+            </a:r>
+          </a:p>
+          <a:p>
+            <a:pPr marL="285750" indent="-285750">
+              <a:buFont typeface="Arial" panose="020B0604020202020204" pitchFamily="34" charset="0"/>
+              <a:buChar char="•"/>
+            </a:pPr>
+            <a:r>
               <a:rPr lang="en-US" sz="1600" dirty="0">
                 <a:solidFill>
                   <a:srgbClr val="292929"/>
@@ -7746,6 +7795,121 @@
                                           <p:spTgt spid="4">
                                             <p:txEl>
                                               <p:pRg st="9" end="9"/>
+                                            </p:txEl>
+                                          </p:spTgt>
+                                        </p:tgtEl>
+                                        <p:attrNameLst>
+                                          <p:attrName>ppt_y</p:attrName>
+                                        </p:attrNameLst>
+                                      </p:cBhvr>
+                                      <p:tavLst>
+                                        <p:tav tm="0">
+                                          <p:val>
+                                            <p:strVal val="#ppt_y+.1"/>
+                                          </p:val>
+                                        </p:tav>
+                                        <p:tav tm="100000">
+                                          <p:val>
+                                            <p:strVal val="#ppt_y"/>
+                                          </p:val>
+                                        </p:tav>
+                                      </p:tavLst>
+                                    </p:anim>
+                                  </p:childTnLst>
+                                </p:cTn>
+                              </p:par>
+                            </p:childTnLst>
+                          </p:cTn>
+                        </p:par>
+                      </p:childTnLst>
+                    </p:cTn>
+                  </p:par>
+                  <p:par>
+                    <p:cTn id="73" fill="hold">
+                      <p:stCondLst>
+                        <p:cond delay="indefinite"/>
+                      </p:stCondLst>
+                      <p:childTnLst>
+                        <p:par>
+                          <p:cTn id="74" fill="hold">
+                            <p:stCondLst>
+                              <p:cond delay="0"/>
+                            </p:stCondLst>
+                            <p:childTnLst>
+                              <p:par>
+                                <p:cTn id="75" presetID="42" presetClass="entr" presetSubtype="0" fill="hold" nodeType="clickEffect">
+                                  <p:stCondLst>
+                                    <p:cond delay="0"/>
+                                  </p:stCondLst>
+                                  <p:childTnLst>
+                                    <p:set>
+                                      <p:cBhvr>
+                                        <p:cTn id="76" dur="1" fill="hold">
+                                          <p:stCondLst>
+                                            <p:cond delay="0"/>
+                                          </p:stCondLst>
+                                        </p:cTn>
+                                        <p:tgtEl>
+                                          <p:spTgt spid="4">
+                                            <p:txEl>
+                                              <p:pRg st="10" end="10"/>
+                                            </p:txEl>
+                                          </p:spTgt>
+                                        </p:tgtEl>
+                                        <p:attrNameLst>
+                                          <p:attrName>style.visibility</p:attrName>
+                                        </p:attrNameLst>
+                                      </p:cBhvr>
+                                      <p:to>
+                                        <p:strVal val="visible"/>
+                                      </p:to>
+                                    </p:set>
+                                    <p:animEffect transition="in" filter="fade">
+                                      <p:cBhvr>
+                                        <p:cTn id="77" dur="1000"/>
+                                        <p:tgtEl>
+                                          <p:spTgt spid="4">
+                                            <p:txEl>
+                                              <p:pRg st="10" end="10"/>
+                                            </p:txEl>
+                                          </p:spTgt>
+                                        </p:tgtEl>
+                                      </p:cBhvr>
+                                    </p:animEffect>
+                                    <p:anim calcmode="lin" valueType="num">
+                                      <p:cBhvr>
+                                        <p:cTn id="78" dur="1000" fill="hold"/>
+                                        <p:tgtEl>
+                                          <p:spTgt spid="4">
+                                            <p:txEl>
+                                              <p:pRg st="10" end="10"/>
+                                            </p:txEl>
+                                          </p:spTgt>
+                                        </p:tgtEl>
+                                        <p:attrNameLst>
+                                          <p:attrName>ppt_x</p:attrName>
+                                        </p:attrNameLst>
+                                      </p:cBhvr>
+                                      <p:tavLst>
+                                        <p:tav tm="0">
+                                          <p:val>
+                                            <p:strVal val="#ppt_x"/>
+                                          </p:val>
+                                        </p:tav>
+                                        <p:tav tm="100000">
+                                          <p:val>
+                                            <p:strVal val="#ppt_x"/>
+                                          </p:val>
+                                        </p:tav>
+                                      </p:tavLst>
+                                    </p:anim>
+                                    <p:anim calcmode="lin" valueType="num">
+                                      <p:cBhvr>
+                                        <p:cTn id="79" dur="1000" fill="hold"/>
+                                        <p:tgtEl>
+                                          <p:spTgt spid="4">
+                                            <p:txEl>
+                                              <p:pRg st="10" end="10"/>
                                             </p:txEl>
                                           </p:spTgt>
                                         </p:tgtEl>
@@ -8089,6 +8253,23 @@
               <a:buChar char="•"/>
             </a:pPr>
             <a:r>
+              <a:rPr lang="en-US" sz="1600" dirty="0">
+                <a:solidFill>
+                  <a:schemeClr val="accent4">
+                    <a:lumMod val="75000"/>
+                  </a:schemeClr>
+                </a:solidFill>
+              </a:rPr>
+              <a:t>K=3</a:t>
+            </a:r>
+            <a:endParaRPr lang="en-US" sz="1600" dirty="0"/>
+          </a:p>
+          <a:p>
+            <a:pPr marL="285750" indent="-285750">
+              <a:buFont typeface="Arial" panose="020B0604020202020204" pitchFamily="34" charset="0"/>
+              <a:buChar char="•"/>
+            </a:pPr>
+            <a:r>
               <a:rPr lang="en-US" sz="1600" dirty="0"/>
               <a:t>Accuracy</a:t>
             </a:r>
@@ -8112,7 +8293,6 @@
               <a:rPr lang="en-US" sz="1600" dirty="0"/>
               <a:t>Specificity</a:t>
             </a:r>
-            <a:endParaRPr lang="en-US" sz="1200" dirty="0"/>
           </a:p>
           <a:p>
             <a:pPr marL="285750" indent="-285750">
@@ -9088,7 +9268,7 @@
                                         <p:tgtEl>
                                           <p:spTgt spid="4">
                                             <p:txEl>
-                                              <p:pRg st="1" end="1"/>
+                                              <p:pRg st="2" end="2"/>
                                             </p:txEl>
                                           </p:spTgt>
                                         </p:tgtEl>
@@ -9106,7 +9286,7 @@
                                         <p:tgtEl>
                                           <p:spTgt spid="4">
                                             <p:txEl>
-                                              <p:pRg st="1" end="1"/>
+                                              <p:pRg st="2" end="2"/>
                                             </p:txEl>
                                           </p:spTgt>
                                         </p:tgtEl>
@@ -9118,7 +9298,7 @@
                                         <p:tgtEl>
                                           <p:spTgt spid="4">
                                             <p:txEl>
-                                              <p:pRg st="1" end="1"/>
+                                              <p:pRg st="2" end="2"/>
                                             </p:txEl>
                                           </p:spTgt>
                                         </p:tgtEl>
@@ -9145,7 +9325,7 @@
                                         <p:tgtEl>
                                           <p:spTgt spid="4">
                                             <p:txEl>
-                                              <p:pRg st="1" end="1"/>
+                                              <p:pRg st="2" end="2"/>
                                             </p:txEl>
                                           </p:spTgt>
                                         </p:tgtEl>
@@ -9203,7 +9383,7 @@
                                         <p:tgtEl>
                                           <p:spTgt spid="4">
                                             <p:txEl>
-                                              <p:pRg st="2" end="2"/>
+                                              <p:pRg st="3" end="3"/>
                                             </p:txEl>
                                           </p:spTgt>
                                         </p:tgtEl>
@@ -9221,7 +9401,7 @@
                                         <p:tgtEl>
                                           <p:spTgt spid="4">
                                             <p:txEl>
-                                              <p:pRg st="2" end="2"/>
+                                              <p:pRg st="3" end="3"/>
                                             </p:txEl>
                                           </p:spTgt>
                                         </p:tgtEl>
@@ -9233,7 +9413,7 @@
                                         <p:tgtEl>
                                           <p:spTgt spid="4">
                                             <p:txEl>
-                                              <p:pRg st="2" end="2"/>
+                                              <p:pRg st="3" end="3"/>
                                             </p:txEl>
                                           </p:spTgt>
                                         </p:tgtEl>
@@ -9260,7 +9440,7 @@
                                         <p:tgtEl>
                                           <p:spTgt spid="4">
                                             <p:txEl>
-                                              <p:pRg st="2" end="2"/>
+                                              <p:pRg st="3" end="3"/>
                                             </p:txEl>
                                           </p:spTgt>
                                         </p:tgtEl>
@@ -9318,7 +9498,7 @@
                                         <p:tgtEl>
                                           <p:spTgt spid="4">
                                             <p:txEl>
-                                              <p:pRg st="3" end="3"/>
+                                              <p:pRg st="4" end="4"/>
                                             </p:txEl>
                                           </p:spTgt>
                                         </p:tgtEl>
@@ -9336,7 +9516,7 @@
                                         <p:tgtEl>
                                           <p:spTgt spid="4">
                                             <p:txEl>
-                                              <p:pRg st="3" end="3"/>
+                                              <p:pRg st="4" end="4"/>
                                             </p:txEl>
                                           </p:spTgt>
                                         </p:tgtEl>
@@ -9348,7 +9528,7 @@
                                         <p:tgtEl>
                                           <p:spTgt spid="4">
                                             <p:txEl>
-                                              <p:pRg st="3" end="3"/>
+                                              <p:pRg st="4" end="4"/>
                                             </p:txEl>
                                           </p:spTgt>
                                         </p:tgtEl>
@@ -9375,7 +9555,7 @@
                                         <p:tgtEl>
                                           <p:spTgt spid="4">
                                             <p:txEl>
-                                              <p:pRg st="3" end="3"/>
+                                              <p:pRg st="4" end="4"/>
                                             </p:txEl>
                                           </p:spTgt>
                                         </p:tgtEl>
@@ -13115,7 +13295,17 @@
             </a:pPr>
             <a:r>
               <a:rPr lang="en-US" sz="1100" dirty="0"/>
-              <a:t>Reduce the working overtime, especially for these positions </a:t>
+              <a:t>Reduce the working overtime, especially for these positions</a:t>
+            </a:r>
+          </a:p>
+          <a:p>
+            <a:pPr marL="645750" lvl="2" indent="-285750">
+              <a:buFont typeface="Arial" panose="020B0604020202020204" pitchFamily="34" charset="0"/>
+              <a:buChar char="•"/>
+            </a:pPr>
+            <a:r>
+              <a:rPr lang="en-US" sz="900" b="1" dirty="0"/>
+              <a:t>Research scientist and Sales Executive </a:t>
             </a:r>
           </a:p>
           <a:p>
@@ -14492,6 +14682,121 @@
                                           <p:spTgt spid="4">
                                             <p:txEl>
                                               <p:pRg st="8" end="8"/>
+                                            </p:txEl>
+                                          </p:spTgt>
+                                        </p:tgtEl>
+                                        <p:attrNameLst>
+                                          <p:attrName>ppt_y</p:attrName>
+                                        </p:attrNameLst>
+                                      </p:cBhvr>
+                                      <p:tavLst>
+                                        <p:tav tm="0">
+                                          <p:val>
+                                            <p:strVal val="#ppt_y+.1"/>
+                                          </p:val>
+                                        </p:tav>
+                                        <p:tav tm="100000">
+                                          <p:val>
+                                            <p:strVal val="#ppt_y"/>
+                                          </p:val>
+                                        </p:tav>
+                                      </p:tavLst>
+                                    </p:anim>
+                                  </p:childTnLst>
+                                </p:cTn>
+                              </p:par>
+                            </p:childTnLst>
+                          </p:cTn>
+                        </p:par>
+                      </p:childTnLst>
+                    </p:cTn>
+                  </p:par>
+                  <p:par>
+                    <p:cTn id="71" fill="hold">
+                      <p:stCondLst>
+                        <p:cond delay="indefinite"/>
+                      </p:stCondLst>
+                      <p:childTnLst>
+                        <p:par>
+                          <p:cTn id="72" fill="hold">
+                            <p:stCondLst>
+                              <p:cond delay="0"/>
+                            </p:stCondLst>
+                            <p:childTnLst>
+                              <p:par>
+                                <p:cTn id="73" presetID="42" presetClass="entr" presetSubtype="0" fill="hold" nodeType="clickEffect">
+                                  <p:stCondLst>
+                                    <p:cond delay="0"/>
+                                  </p:stCondLst>
+                                  <p:childTnLst>
+                                    <p:set>
+                                      <p:cBhvr>
+                                        <p:cTn id="74" dur="1" fill="hold">
+                                          <p:stCondLst>
+                                            <p:cond delay="0"/>
+                                          </p:stCondLst>
+                                        </p:cTn>
+                                        <p:tgtEl>
+                                          <p:spTgt spid="4">
+                                            <p:txEl>
+                                              <p:pRg st="9" end="9"/>
+                                            </p:txEl>
+                                          </p:spTgt>
+                                        </p:tgtEl>
+                                        <p:attrNameLst>
+                                          <p:attrName>style.visibility</p:attrName>
+                                        </p:attrNameLst>
+                                      </p:cBhvr>
+                                      <p:to>
+                                        <p:strVal val="visible"/>
+                                      </p:to>
+                                    </p:set>
+                                    <p:animEffect transition="in" filter="fade">
+                                      <p:cBhvr>
+                                        <p:cTn id="75" dur="1000"/>
+                                        <p:tgtEl>
+                                          <p:spTgt spid="4">
+                                            <p:txEl>
+                                              <p:pRg st="9" end="9"/>
+                                            </p:txEl>
+                                          </p:spTgt>
+                                        </p:tgtEl>
+                                      </p:cBhvr>
+                                    </p:animEffect>
+                                    <p:anim calcmode="lin" valueType="num">
+                                      <p:cBhvr>
+                                        <p:cTn id="76" dur="1000" fill="hold"/>
+                                        <p:tgtEl>
+                                          <p:spTgt spid="4">
+                                            <p:txEl>
+                                              <p:pRg st="9" end="9"/>
+                                            </p:txEl>
+                                          </p:spTgt>
+                                        </p:tgtEl>
+                                        <p:attrNameLst>
+                                          <p:attrName>ppt_x</p:attrName>
+                                        </p:attrNameLst>
+                                      </p:cBhvr>
+                                      <p:tavLst>
+                                        <p:tav tm="0">
+                                          <p:val>
+                                            <p:strVal val="#ppt_x"/>
+                                          </p:val>
+                                        </p:tav>
+                                        <p:tav tm="100000">
+                                          <p:val>
+                                            <p:strVal val="#ppt_x"/>
+                                          </p:val>
+                                        </p:tav>
+                                      </p:tavLst>
+                                    </p:anim>
+                                    <p:anim calcmode="lin" valueType="num">
+                                      <p:cBhvr>
+                                        <p:cTn id="77" dur="1000" fill="hold"/>
+                                        <p:tgtEl>
+                                          <p:spTgt spid="4">
+                                            <p:txEl>
+                                              <p:pRg st="9" end="9"/>
                                             </p:txEl>
                                           </p:spTgt>
                                         </p:tgtEl>
@@ -19145,7 +19450,7 @@
             </a:pPr>
             <a:r>
               <a:rPr lang="en-US" sz="1100" dirty="0"/>
-              <a:t> Create more incentives for young people</a:t>
+              <a:t>Create more incentives for young people</a:t>
             </a:r>
           </a:p>
           <a:p>
@@ -23519,7 +23824,7 @@
             <a:r>
               <a:rPr lang="en-US" dirty="0">
                 <a:solidFill>
-                  <a:srgbClr val="222222"/>
+                  <a:srgbClr val="C00000"/>
                 </a:solidFill>
               </a:rPr>
               <a:t>Before 870, No:730, Yes:140</a:t>
@@ -23533,12 +23838,13 @@
             <a:r>
               <a:rPr lang="en-US" dirty="0">
                 <a:solidFill>
-                  <a:srgbClr val="222222"/>
+                  <a:schemeClr val="accent4">
+                    <a:lumMod val="75000"/>
+                  </a:schemeClr>
                 </a:solidFill>
               </a:rPr>
               <a:t>After 1460, No:730, Yes:730</a:t>
             </a:r>
-            <a:endParaRPr lang="en-US" dirty="0"/>
           </a:p>
         </p:txBody>
       </p:sp>
@@ -26558,7 +26864,7 @@
           <a:p>
             <a:r>
               <a:rPr lang="en-US" dirty="0"/>
-              <a:t>Most important factors that contribute to attrition</a:t>
+              <a:t>Most important factors (Years at the company and Overtime)</a:t>
             </a:r>
           </a:p>
         </p:txBody>
@@ -26721,7 +27027,7 @@
           <a:p>
             <a:r>
               <a:rPr lang="en-US" dirty="0"/>
-              <a:t>Most important factors that contribute to attrition</a:t>
+              <a:t>Most important factors(Job Satisfaction and Marital Status)</a:t>
             </a:r>
           </a:p>
         </p:txBody>
@@ -26741,7 +27047,7 @@
           <p:nvPr/>
         </p:nvPicPr>
         <p:blipFill>
-          <a:blip r:embed="rId2"/>
+          <a:blip r:embed="rId3"/>
           <a:stretch>
             <a:fillRect/>
           </a:stretch>
@@ -26776,7 +27082,7 @@
           <p:nvPr/>
         </p:nvPicPr>
         <p:blipFill>
-          <a:blip r:embed="rId3"/>
+          <a:blip r:embed="rId4"/>
           <a:stretch>
             <a:fillRect/>
           </a:stretch>
@@ -26811,7 +27117,7 @@
           <p:nvPr/>
         </p:nvPicPr>
         <p:blipFill>
-          <a:blip r:embed="rId4"/>
+          <a:blip r:embed="rId5"/>
           <a:stretch>
             <a:fillRect/>
           </a:stretch>
@@ -26846,7 +27152,7 @@
           <p:nvPr/>
         </p:nvPicPr>
         <p:blipFill>
-          <a:blip r:embed="rId5"/>
+          <a:blip r:embed="rId6"/>
           <a:stretch>
             <a:fillRect/>
           </a:stretch>

--- a/DDSAnalytics Presentation.pptx
+++ b/DDSAnalytics Presentation.pptx
@@ -20740,7 +20740,34 @@
             </a:r>
           </a:p>
           <a:p>
-            <a:endParaRPr lang="en-US" dirty="0"/>
+            <a:pPr marL="465750" lvl="1" indent="-285750">
+              <a:buFont typeface="Arial" panose="020B0604020202020204" pitchFamily="34" charset="0"/>
+              <a:buChar char="•"/>
+            </a:pPr>
+            <a:r>
+              <a:rPr lang="en-US" dirty="0"/>
+              <a:t>https://www.youtube.com/watch?v=8Bq4Du7PY6k</a:t>
+            </a:r>
+          </a:p>
+          <a:p>
+            <a:pPr marL="285750" indent="-285750">
+              <a:buFont typeface="Arial" panose="020B0604020202020204" pitchFamily="34" charset="0"/>
+              <a:buChar char="•"/>
+            </a:pPr>
+            <a:r>
+              <a:rPr lang="en-US" b="1" dirty="0"/>
+              <a:t>Info Chi-Square</a:t>
+            </a:r>
+          </a:p>
+          <a:p>
+            <a:pPr marL="465750" lvl="1" indent="-285750">
+              <a:buFont typeface="Arial" panose="020B0604020202020204" pitchFamily="34" charset="0"/>
+              <a:buChar char="•"/>
+            </a:pPr>
+            <a:r>
+              <a:rPr lang="en-US" dirty="0"/>
+              <a:t>https://towardsdatascience.com/chi-square-test-for-feature-selection-in-machine-learning-206b1f0b8223</a:t>
+            </a:r>
           </a:p>
         </p:txBody>
       </p:sp>
